--- a/ppt 16-9/0799.一世人跟随你.pptx
+++ b/ppt 16-9/0799.一世人跟随你.pptx
@@ -5,7 +5,7 @@
     <p:sldMasterId id="2147483648" r:id="rId1"/>
   </p:sldMasterIdLst>
   <p:sldIdLst>
-    <p:sldId id="2069" r:id="rId2"/>
+    <p:sldId id="2070" r:id="rId2"/>
   </p:sldIdLst>
   <p:sldSz cx="12192000" cy="6858000"/>
   <p:notesSz cx="6858000" cy="9144000"/>
@@ -129,7 +129,7 @@
           <p:cNvPr id="2" name="标题 1">
             <a:extLst>
               <a:ext uri="{FF2B5EF4-FFF2-40B4-BE49-F238E27FC236}">
-                <a16:creationId xmlns:a16="http://schemas.microsoft.com/office/drawing/2014/main" id="{A93E0BD4-104B-851F-65E3-A7A6CD6279AB}"/>
+                <a16:creationId xmlns:a16="http://schemas.microsoft.com/office/drawing/2014/main" id="{3AC3BD9C-B98E-DF06-2E9B-4C2A3E73DFFD}"/>
               </a:ext>
             </a:extLst>
           </p:cNvPr>
@@ -166,7 +166,7 @@
           <p:cNvPr id="3" name="副标题 2">
             <a:extLst>
               <a:ext uri="{FF2B5EF4-FFF2-40B4-BE49-F238E27FC236}">
-                <a16:creationId xmlns:a16="http://schemas.microsoft.com/office/drawing/2014/main" id="{C1BB1BFD-4413-B59F-CEF1-1B7FD2081F55}"/>
+                <a16:creationId xmlns:a16="http://schemas.microsoft.com/office/drawing/2014/main" id="{238174F0-66CE-126B-52AB-8762672C558B}"/>
               </a:ext>
             </a:extLst>
           </p:cNvPr>
@@ -236,7 +236,7 @@
           <p:cNvPr id="4" name="日期占位符 3">
             <a:extLst>
               <a:ext uri="{FF2B5EF4-FFF2-40B4-BE49-F238E27FC236}">
-                <a16:creationId xmlns:a16="http://schemas.microsoft.com/office/drawing/2014/main" id="{4D00EEC4-1DC2-0E67-A3A1-5F329A30474A}"/>
+                <a16:creationId xmlns:a16="http://schemas.microsoft.com/office/drawing/2014/main" id="{11BBCCF1-7148-863F-68A9-1DBCF414C243}"/>
               </a:ext>
             </a:extLst>
           </p:cNvPr>
@@ -252,7 +252,7 @@
           <a:bodyPr/>
           <a:lstStyle/>
           <a:p>
-            <a:fld id="{03B405B2-41C5-4C8C-8865-7420D809509A}" type="datetimeFigureOut">
+            <a:fld id="{051F5901-5A33-4B64-A7FB-D0215704B662}" type="datetimeFigureOut">
               <a:rPr lang="zh-CN" altLang="en-US" smtClean="0"/>
               <a:t>2024/3/10</a:t>
             </a:fld>
@@ -265,7 +265,7 @@
           <p:cNvPr id="5" name="页脚占位符 4">
             <a:extLst>
               <a:ext uri="{FF2B5EF4-FFF2-40B4-BE49-F238E27FC236}">
-                <a16:creationId xmlns:a16="http://schemas.microsoft.com/office/drawing/2014/main" id="{AF15E536-87A0-03FF-92C6-4B31B12269AA}"/>
+                <a16:creationId xmlns:a16="http://schemas.microsoft.com/office/drawing/2014/main" id="{AB39B7A6-4852-44FA-39EA-938E7C625EBC}"/>
               </a:ext>
             </a:extLst>
           </p:cNvPr>
@@ -290,7 +290,7 @@
           <p:cNvPr id="6" name="灯片编号占位符 5">
             <a:extLst>
               <a:ext uri="{FF2B5EF4-FFF2-40B4-BE49-F238E27FC236}">
-                <a16:creationId xmlns:a16="http://schemas.microsoft.com/office/drawing/2014/main" id="{E75B6506-54A9-21B7-3147-081E75165CC8}"/>
+                <a16:creationId xmlns:a16="http://schemas.microsoft.com/office/drawing/2014/main" id="{C5993E43-B18D-3BFF-6264-B94DB2BE480B}"/>
               </a:ext>
             </a:extLst>
           </p:cNvPr>
@@ -306,7 +306,7 @@
           <a:bodyPr/>
           <a:lstStyle/>
           <a:p>
-            <a:fld id="{FAB63FC0-59FA-457B-A69F-5BDC89342D5F}" type="slidenum">
+            <a:fld id="{922FC604-7714-41B0-8EBF-8F362C524D78}" type="slidenum">
               <a:rPr lang="zh-CN" altLang="en-US" smtClean="0"/>
               <a:t>‹#›</a:t>
             </a:fld>
@@ -317,7 +317,7 @@
     </p:spTree>
     <p:extLst>
       <p:ext uri="{BB962C8B-B14F-4D97-AF65-F5344CB8AC3E}">
-        <p14:creationId xmlns:p14="http://schemas.microsoft.com/office/powerpoint/2010/main" val="2384582222"/>
+        <p14:creationId xmlns:p14="http://schemas.microsoft.com/office/powerpoint/2010/main" val="3431934962"/>
       </p:ext>
     </p:extLst>
   </p:cSld>
@@ -349,7 +349,7 @@
           <p:cNvPr id="2" name="标题 1">
             <a:extLst>
               <a:ext uri="{FF2B5EF4-FFF2-40B4-BE49-F238E27FC236}">
-                <a16:creationId xmlns:a16="http://schemas.microsoft.com/office/drawing/2014/main" id="{B31E55FE-6B88-8822-7BEE-C8FECDD921A1}"/>
+                <a16:creationId xmlns:a16="http://schemas.microsoft.com/office/drawing/2014/main" id="{05B63976-A2EB-2312-5DC8-5A7E17BAA04F}"/>
               </a:ext>
             </a:extLst>
           </p:cNvPr>
@@ -377,7 +377,7 @@
           <p:cNvPr id="3" name="竖排文字占位符 2">
             <a:extLst>
               <a:ext uri="{FF2B5EF4-FFF2-40B4-BE49-F238E27FC236}">
-                <a16:creationId xmlns:a16="http://schemas.microsoft.com/office/drawing/2014/main" id="{048B31FD-6F25-7047-061A-099C2F8F6695}"/>
+                <a16:creationId xmlns:a16="http://schemas.microsoft.com/office/drawing/2014/main" id="{7D31AFE0-1588-25A7-3265-90AEF430F47D}"/>
               </a:ext>
             </a:extLst>
           </p:cNvPr>
@@ -434,7 +434,7 @@
           <p:cNvPr id="4" name="日期占位符 3">
             <a:extLst>
               <a:ext uri="{FF2B5EF4-FFF2-40B4-BE49-F238E27FC236}">
-                <a16:creationId xmlns:a16="http://schemas.microsoft.com/office/drawing/2014/main" id="{244C4FC8-A0EF-D0B3-DA47-D958013DA4CE}"/>
+                <a16:creationId xmlns:a16="http://schemas.microsoft.com/office/drawing/2014/main" id="{00A0BFF3-D11A-4CB7-161A-70B67B51DA42}"/>
               </a:ext>
             </a:extLst>
           </p:cNvPr>
@@ -450,7 +450,7 @@
           <a:bodyPr/>
           <a:lstStyle/>
           <a:p>
-            <a:fld id="{03B405B2-41C5-4C8C-8865-7420D809509A}" type="datetimeFigureOut">
+            <a:fld id="{051F5901-5A33-4B64-A7FB-D0215704B662}" type="datetimeFigureOut">
               <a:rPr lang="zh-CN" altLang="en-US" smtClean="0"/>
               <a:t>2024/3/10</a:t>
             </a:fld>
@@ -463,7 +463,7 @@
           <p:cNvPr id="5" name="页脚占位符 4">
             <a:extLst>
               <a:ext uri="{FF2B5EF4-FFF2-40B4-BE49-F238E27FC236}">
-                <a16:creationId xmlns:a16="http://schemas.microsoft.com/office/drawing/2014/main" id="{237C09FE-139D-2330-FA4B-E8BEBF68F820}"/>
+                <a16:creationId xmlns:a16="http://schemas.microsoft.com/office/drawing/2014/main" id="{B62BFAD5-5368-2335-BDE7-F081D4AAF5B2}"/>
               </a:ext>
             </a:extLst>
           </p:cNvPr>
@@ -488,7 +488,7 @@
           <p:cNvPr id="6" name="灯片编号占位符 5">
             <a:extLst>
               <a:ext uri="{FF2B5EF4-FFF2-40B4-BE49-F238E27FC236}">
-                <a16:creationId xmlns:a16="http://schemas.microsoft.com/office/drawing/2014/main" id="{F068D605-E348-68E0-5808-D543845702AB}"/>
+                <a16:creationId xmlns:a16="http://schemas.microsoft.com/office/drawing/2014/main" id="{72108B68-B056-B10A-D554-16C09080B82D}"/>
               </a:ext>
             </a:extLst>
           </p:cNvPr>
@@ -504,7 +504,7 @@
           <a:bodyPr/>
           <a:lstStyle/>
           <a:p>
-            <a:fld id="{FAB63FC0-59FA-457B-A69F-5BDC89342D5F}" type="slidenum">
+            <a:fld id="{922FC604-7714-41B0-8EBF-8F362C524D78}" type="slidenum">
               <a:rPr lang="zh-CN" altLang="en-US" smtClean="0"/>
               <a:t>‹#›</a:t>
             </a:fld>
@@ -515,7 +515,7 @@
     </p:spTree>
     <p:extLst>
       <p:ext uri="{BB962C8B-B14F-4D97-AF65-F5344CB8AC3E}">
-        <p14:creationId xmlns:p14="http://schemas.microsoft.com/office/powerpoint/2010/main" val="1141986124"/>
+        <p14:creationId xmlns:p14="http://schemas.microsoft.com/office/powerpoint/2010/main" val="3779804423"/>
       </p:ext>
     </p:extLst>
   </p:cSld>
@@ -547,7 +547,7 @@
           <p:cNvPr id="2" name="竖排标题 1">
             <a:extLst>
               <a:ext uri="{FF2B5EF4-FFF2-40B4-BE49-F238E27FC236}">
-                <a16:creationId xmlns:a16="http://schemas.microsoft.com/office/drawing/2014/main" id="{8A82C7D9-1A4D-0871-5DF1-4900D5ED662B}"/>
+                <a16:creationId xmlns:a16="http://schemas.microsoft.com/office/drawing/2014/main" id="{4B7FCBD9-B96E-F0B1-2E01-068D26AA4262}"/>
               </a:ext>
             </a:extLst>
           </p:cNvPr>
@@ -580,7 +580,7 @@
           <p:cNvPr id="3" name="竖排文字占位符 2">
             <a:extLst>
               <a:ext uri="{FF2B5EF4-FFF2-40B4-BE49-F238E27FC236}">
-                <a16:creationId xmlns:a16="http://schemas.microsoft.com/office/drawing/2014/main" id="{0545B5D4-044F-D1A0-D546-83647258349D}"/>
+                <a16:creationId xmlns:a16="http://schemas.microsoft.com/office/drawing/2014/main" id="{67AB2AA1-5220-67A6-8B40-46CEB9AB6AC2}"/>
               </a:ext>
             </a:extLst>
           </p:cNvPr>
@@ -642,7 +642,7 @@
           <p:cNvPr id="4" name="日期占位符 3">
             <a:extLst>
               <a:ext uri="{FF2B5EF4-FFF2-40B4-BE49-F238E27FC236}">
-                <a16:creationId xmlns:a16="http://schemas.microsoft.com/office/drawing/2014/main" id="{4590869B-D54A-04A0-39E9-55D8554A9FF5}"/>
+                <a16:creationId xmlns:a16="http://schemas.microsoft.com/office/drawing/2014/main" id="{FDFF1746-8035-A243-6BF2-094D9631271B}"/>
               </a:ext>
             </a:extLst>
           </p:cNvPr>
@@ -658,7 +658,7 @@
           <a:bodyPr/>
           <a:lstStyle/>
           <a:p>
-            <a:fld id="{03B405B2-41C5-4C8C-8865-7420D809509A}" type="datetimeFigureOut">
+            <a:fld id="{051F5901-5A33-4B64-A7FB-D0215704B662}" type="datetimeFigureOut">
               <a:rPr lang="zh-CN" altLang="en-US" smtClean="0"/>
               <a:t>2024/3/10</a:t>
             </a:fld>
@@ -671,7 +671,7 @@
           <p:cNvPr id="5" name="页脚占位符 4">
             <a:extLst>
               <a:ext uri="{FF2B5EF4-FFF2-40B4-BE49-F238E27FC236}">
-                <a16:creationId xmlns:a16="http://schemas.microsoft.com/office/drawing/2014/main" id="{90AF2A0F-4268-8AA6-64C2-F1C4E0FDCE55}"/>
+                <a16:creationId xmlns:a16="http://schemas.microsoft.com/office/drawing/2014/main" id="{F4B74967-5F35-7DD9-B512-2387CB6D93A9}"/>
               </a:ext>
             </a:extLst>
           </p:cNvPr>
@@ -696,7 +696,7 @@
           <p:cNvPr id="6" name="灯片编号占位符 5">
             <a:extLst>
               <a:ext uri="{FF2B5EF4-FFF2-40B4-BE49-F238E27FC236}">
-                <a16:creationId xmlns:a16="http://schemas.microsoft.com/office/drawing/2014/main" id="{F26A2C92-7141-72D2-F4C9-50D3D5DEC90B}"/>
+                <a16:creationId xmlns:a16="http://schemas.microsoft.com/office/drawing/2014/main" id="{E35869D4-C6A9-F6AF-4DA7-D10C7EA60FFE}"/>
               </a:ext>
             </a:extLst>
           </p:cNvPr>
@@ -712,7 +712,7 @@
           <a:bodyPr/>
           <a:lstStyle/>
           <a:p>
-            <a:fld id="{FAB63FC0-59FA-457B-A69F-5BDC89342D5F}" type="slidenum">
+            <a:fld id="{922FC604-7714-41B0-8EBF-8F362C524D78}" type="slidenum">
               <a:rPr lang="zh-CN" altLang="en-US" smtClean="0"/>
               <a:t>‹#›</a:t>
             </a:fld>
@@ -723,7 +723,7 @@
     </p:spTree>
     <p:extLst>
       <p:ext uri="{BB962C8B-B14F-4D97-AF65-F5344CB8AC3E}">
-        <p14:creationId xmlns:p14="http://schemas.microsoft.com/office/powerpoint/2010/main" val="1954805808"/>
+        <p14:creationId xmlns:p14="http://schemas.microsoft.com/office/powerpoint/2010/main" val="3662658130"/>
       </p:ext>
     </p:extLst>
   </p:cSld>
@@ -755,7 +755,7 @@
           <p:cNvPr id="2" name="标题 1">
             <a:extLst>
               <a:ext uri="{FF2B5EF4-FFF2-40B4-BE49-F238E27FC236}">
-                <a16:creationId xmlns:a16="http://schemas.microsoft.com/office/drawing/2014/main" id="{086A52F3-1B9D-6DB9-4FCF-FBEA7E73960C}"/>
+                <a16:creationId xmlns:a16="http://schemas.microsoft.com/office/drawing/2014/main" id="{8AD1D92E-295F-192B-0917-0044BA84D362}"/>
               </a:ext>
             </a:extLst>
           </p:cNvPr>
@@ -783,7 +783,7 @@
           <p:cNvPr id="3" name="内容占位符 2">
             <a:extLst>
               <a:ext uri="{FF2B5EF4-FFF2-40B4-BE49-F238E27FC236}">
-                <a16:creationId xmlns:a16="http://schemas.microsoft.com/office/drawing/2014/main" id="{AF36728C-F6B2-F913-1609-998EE1B1C06B}"/>
+                <a16:creationId xmlns:a16="http://schemas.microsoft.com/office/drawing/2014/main" id="{818FBFE6-C33E-E326-4150-B5435579E516}"/>
               </a:ext>
             </a:extLst>
           </p:cNvPr>
@@ -840,7 +840,7 @@
           <p:cNvPr id="4" name="日期占位符 3">
             <a:extLst>
               <a:ext uri="{FF2B5EF4-FFF2-40B4-BE49-F238E27FC236}">
-                <a16:creationId xmlns:a16="http://schemas.microsoft.com/office/drawing/2014/main" id="{FE2CE120-9854-5A55-FB7A-FEE7F4322902}"/>
+                <a16:creationId xmlns:a16="http://schemas.microsoft.com/office/drawing/2014/main" id="{28E37BB0-FCF5-FAE8-2080-3DB96E4751E3}"/>
               </a:ext>
             </a:extLst>
           </p:cNvPr>
@@ -856,7 +856,7 @@
           <a:bodyPr/>
           <a:lstStyle/>
           <a:p>
-            <a:fld id="{03B405B2-41C5-4C8C-8865-7420D809509A}" type="datetimeFigureOut">
+            <a:fld id="{051F5901-5A33-4B64-A7FB-D0215704B662}" type="datetimeFigureOut">
               <a:rPr lang="zh-CN" altLang="en-US" smtClean="0"/>
               <a:t>2024/3/10</a:t>
             </a:fld>
@@ -869,7 +869,7 @@
           <p:cNvPr id="5" name="页脚占位符 4">
             <a:extLst>
               <a:ext uri="{FF2B5EF4-FFF2-40B4-BE49-F238E27FC236}">
-                <a16:creationId xmlns:a16="http://schemas.microsoft.com/office/drawing/2014/main" id="{B8A32DC8-3DCB-E331-A318-2477BC2FB6F9}"/>
+                <a16:creationId xmlns:a16="http://schemas.microsoft.com/office/drawing/2014/main" id="{B14FF907-C6CA-7B5F-9574-B59A95F139D2}"/>
               </a:ext>
             </a:extLst>
           </p:cNvPr>
@@ -894,7 +894,7 @@
           <p:cNvPr id="6" name="灯片编号占位符 5">
             <a:extLst>
               <a:ext uri="{FF2B5EF4-FFF2-40B4-BE49-F238E27FC236}">
-                <a16:creationId xmlns:a16="http://schemas.microsoft.com/office/drawing/2014/main" id="{B3D5368F-64B0-A4DE-BFB1-143C949E863A}"/>
+                <a16:creationId xmlns:a16="http://schemas.microsoft.com/office/drawing/2014/main" id="{F1DFBD4B-3241-DEA8-3F01-C2A397AB6497}"/>
               </a:ext>
             </a:extLst>
           </p:cNvPr>
@@ -910,7 +910,7 @@
           <a:bodyPr/>
           <a:lstStyle/>
           <a:p>
-            <a:fld id="{FAB63FC0-59FA-457B-A69F-5BDC89342D5F}" type="slidenum">
+            <a:fld id="{922FC604-7714-41B0-8EBF-8F362C524D78}" type="slidenum">
               <a:rPr lang="zh-CN" altLang="en-US" smtClean="0"/>
               <a:t>‹#›</a:t>
             </a:fld>
@@ -921,7 +921,7 @@
     </p:spTree>
     <p:extLst>
       <p:ext uri="{BB962C8B-B14F-4D97-AF65-F5344CB8AC3E}">
-        <p14:creationId xmlns:p14="http://schemas.microsoft.com/office/powerpoint/2010/main" val="2493427628"/>
+        <p14:creationId xmlns:p14="http://schemas.microsoft.com/office/powerpoint/2010/main" val="497100955"/>
       </p:ext>
     </p:extLst>
   </p:cSld>
@@ -953,7 +953,7 @@
           <p:cNvPr id="2" name="标题 1">
             <a:extLst>
               <a:ext uri="{FF2B5EF4-FFF2-40B4-BE49-F238E27FC236}">
-                <a16:creationId xmlns:a16="http://schemas.microsoft.com/office/drawing/2014/main" id="{C87A2ADF-A6D4-9FF9-00D3-7632B82FDAB3}"/>
+                <a16:creationId xmlns:a16="http://schemas.microsoft.com/office/drawing/2014/main" id="{5D448225-9843-6B95-6156-0F94B16E04AA}"/>
               </a:ext>
             </a:extLst>
           </p:cNvPr>
@@ -990,7 +990,7 @@
           <p:cNvPr id="3" name="文本占位符 2">
             <a:extLst>
               <a:ext uri="{FF2B5EF4-FFF2-40B4-BE49-F238E27FC236}">
-                <a16:creationId xmlns:a16="http://schemas.microsoft.com/office/drawing/2014/main" id="{59E53601-869B-E85B-BE6B-ADFAB7830BBB}"/>
+                <a16:creationId xmlns:a16="http://schemas.microsoft.com/office/drawing/2014/main" id="{AA203C20-4105-F7B8-2B91-35B4067C54B5}"/>
               </a:ext>
             </a:extLst>
           </p:cNvPr>
@@ -1115,7 +1115,7 @@
           <p:cNvPr id="4" name="日期占位符 3">
             <a:extLst>
               <a:ext uri="{FF2B5EF4-FFF2-40B4-BE49-F238E27FC236}">
-                <a16:creationId xmlns:a16="http://schemas.microsoft.com/office/drawing/2014/main" id="{893A0185-7FF5-27DA-8BFE-AB21A391B541}"/>
+                <a16:creationId xmlns:a16="http://schemas.microsoft.com/office/drawing/2014/main" id="{9E728872-BEC1-78E4-4136-0DB354E909BB}"/>
               </a:ext>
             </a:extLst>
           </p:cNvPr>
@@ -1131,7 +1131,7 @@
           <a:bodyPr/>
           <a:lstStyle/>
           <a:p>
-            <a:fld id="{03B405B2-41C5-4C8C-8865-7420D809509A}" type="datetimeFigureOut">
+            <a:fld id="{051F5901-5A33-4B64-A7FB-D0215704B662}" type="datetimeFigureOut">
               <a:rPr lang="zh-CN" altLang="en-US" smtClean="0"/>
               <a:t>2024/3/10</a:t>
             </a:fld>
@@ -1144,7 +1144,7 @@
           <p:cNvPr id="5" name="页脚占位符 4">
             <a:extLst>
               <a:ext uri="{FF2B5EF4-FFF2-40B4-BE49-F238E27FC236}">
-                <a16:creationId xmlns:a16="http://schemas.microsoft.com/office/drawing/2014/main" id="{1DBC8F3E-F688-6676-29B3-A928F75756BB}"/>
+                <a16:creationId xmlns:a16="http://schemas.microsoft.com/office/drawing/2014/main" id="{917FEC07-36FD-FE9D-083F-81258F4E0624}"/>
               </a:ext>
             </a:extLst>
           </p:cNvPr>
@@ -1169,7 +1169,7 @@
           <p:cNvPr id="6" name="灯片编号占位符 5">
             <a:extLst>
               <a:ext uri="{FF2B5EF4-FFF2-40B4-BE49-F238E27FC236}">
-                <a16:creationId xmlns:a16="http://schemas.microsoft.com/office/drawing/2014/main" id="{01E05087-4F05-8A00-38D3-6FF4CA15BC24}"/>
+                <a16:creationId xmlns:a16="http://schemas.microsoft.com/office/drawing/2014/main" id="{9547C10E-6023-E146-1866-3C1AA31ED8D4}"/>
               </a:ext>
             </a:extLst>
           </p:cNvPr>
@@ -1185,7 +1185,7 @@
           <a:bodyPr/>
           <a:lstStyle/>
           <a:p>
-            <a:fld id="{FAB63FC0-59FA-457B-A69F-5BDC89342D5F}" type="slidenum">
+            <a:fld id="{922FC604-7714-41B0-8EBF-8F362C524D78}" type="slidenum">
               <a:rPr lang="zh-CN" altLang="en-US" smtClean="0"/>
               <a:t>‹#›</a:t>
             </a:fld>
@@ -1196,7 +1196,7 @@
     </p:spTree>
     <p:extLst>
       <p:ext uri="{BB962C8B-B14F-4D97-AF65-F5344CB8AC3E}">
-        <p14:creationId xmlns:p14="http://schemas.microsoft.com/office/powerpoint/2010/main" val="140130913"/>
+        <p14:creationId xmlns:p14="http://schemas.microsoft.com/office/powerpoint/2010/main" val="886429919"/>
       </p:ext>
     </p:extLst>
   </p:cSld>
@@ -1228,7 +1228,7 @@
           <p:cNvPr id="2" name="标题 1">
             <a:extLst>
               <a:ext uri="{FF2B5EF4-FFF2-40B4-BE49-F238E27FC236}">
-                <a16:creationId xmlns:a16="http://schemas.microsoft.com/office/drawing/2014/main" id="{AA93011D-1AC2-86E7-313B-9B05660C1762}"/>
+                <a16:creationId xmlns:a16="http://schemas.microsoft.com/office/drawing/2014/main" id="{A1121403-805C-0843-65FA-404710B2C139}"/>
               </a:ext>
             </a:extLst>
           </p:cNvPr>
@@ -1256,7 +1256,7 @@
           <p:cNvPr id="3" name="内容占位符 2">
             <a:extLst>
               <a:ext uri="{FF2B5EF4-FFF2-40B4-BE49-F238E27FC236}">
-                <a16:creationId xmlns:a16="http://schemas.microsoft.com/office/drawing/2014/main" id="{4E8C868E-2E70-7FF4-E51C-55E1289203C1}"/>
+                <a16:creationId xmlns:a16="http://schemas.microsoft.com/office/drawing/2014/main" id="{0111DD21-AFD8-5F18-1F0E-AC036F392C28}"/>
               </a:ext>
             </a:extLst>
           </p:cNvPr>
@@ -1318,7 +1318,7 @@
           <p:cNvPr id="4" name="内容占位符 3">
             <a:extLst>
               <a:ext uri="{FF2B5EF4-FFF2-40B4-BE49-F238E27FC236}">
-                <a16:creationId xmlns:a16="http://schemas.microsoft.com/office/drawing/2014/main" id="{5B3B8937-015E-EFD3-1443-2E77C9FCA172}"/>
+                <a16:creationId xmlns:a16="http://schemas.microsoft.com/office/drawing/2014/main" id="{14A1E974-662B-4B8B-E37F-94087875DB1E}"/>
               </a:ext>
             </a:extLst>
           </p:cNvPr>
@@ -1380,7 +1380,7 @@
           <p:cNvPr id="5" name="日期占位符 4">
             <a:extLst>
               <a:ext uri="{FF2B5EF4-FFF2-40B4-BE49-F238E27FC236}">
-                <a16:creationId xmlns:a16="http://schemas.microsoft.com/office/drawing/2014/main" id="{591CD619-4767-2E4E-957A-BDA3757DE550}"/>
+                <a16:creationId xmlns:a16="http://schemas.microsoft.com/office/drawing/2014/main" id="{E9E001A0-6626-8F74-FF0F-596AFF4E3F75}"/>
               </a:ext>
             </a:extLst>
           </p:cNvPr>
@@ -1396,7 +1396,7 @@
           <a:bodyPr/>
           <a:lstStyle/>
           <a:p>
-            <a:fld id="{03B405B2-41C5-4C8C-8865-7420D809509A}" type="datetimeFigureOut">
+            <a:fld id="{051F5901-5A33-4B64-A7FB-D0215704B662}" type="datetimeFigureOut">
               <a:rPr lang="zh-CN" altLang="en-US" smtClean="0"/>
               <a:t>2024/3/10</a:t>
             </a:fld>
@@ -1409,7 +1409,7 @@
           <p:cNvPr id="6" name="页脚占位符 5">
             <a:extLst>
               <a:ext uri="{FF2B5EF4-FFF2-40B4-BE49-F238E27FC236}">
-                <a16:creationId xmlns:a16="http://schemas.microsoft.com/office/drawing/2014/main" id="{394D1DD4-4556-B8FF-C80F-B1EE1EF1B2BA}"/>
+                <a16:creationId xmlns:a16="http://schemas.microsoft.com/office/drawing/2014/main" id="{51A0AE8F-3D7C-DBC3-2CEF-589C6907DE82}"/>
               </a:ext>
             </a:extLst>
           </p:cNvPr>
@@ -1434,7 +1434,7 @@
           <p:cNvPr id="7" name="灯片编号占位符 6">
             <a:extLst>
               <a:ext uri="{FF2B5EF4-FFF2-40B4-BE49-F238E27FC236}">
-                <a16:creationId xmlns:a16="http://schemas.microsoft.com/office/drawing/2014/main" id="{2B589C30-6E03-A6A5-F030-760A3EBBF1AA}"/>
+                <a16:creationId xmlns:a16="http://schemas.microsoft.com/office/drawing/2014/main" id="{343B4CC4-D307-5FBD-BC01-E5CFAD3643A6}"/>
               </a:ext>
             </a:extLst>
           </p:cNvPr>
@@ -1450,7 +1450,7 @@
           <a:bodyPr/>
           <a:lstStyle/>
           <a:p>
-            <a:fld id="{FAB63FC0-59FA-457B-A69F-5BDC89342D5F}" type="slidenum">
+            <a:fld id="{922FC604-7714-41B0-8EBF-8F362C524D78}" type="slidenum">
               <a:rPr lang="zh-CN" altLang="en-US" smtClean="0"/>
               <a:t>‹#›</a:t>
             </a:fld>
@@ -1461,7 +1461,7 @@
     </p:spTree>
     <p:extLst>
       <p:ext uri="{BB962C8B-B14F-4D97-AF65-F5344CB8AC3E}">
-        <p14:creationId xmlns:p14="http://schemas.microsoft.com/office/powerpoint/2010/main" val="1922317248"/>
+        <p14:creationId xmlns:p14="http://schemas.microsoft.com/office/powerpoint/2010/main" val="813925234"/>
       </p:ext>
     </p:extLst>
   </p:cSld>
@@ -1493,7 +1493,7 @@
           <p:cNvPr id="2" name="标题 1">
             <a:extLst>
               <a:ext uri="{FF2B5EF4-FFF2-40B4-BE49-F238E27FC236}">
-                <a16:creationId xmlns:a16="http://schemas.microsoft.com/office/drawing/2014/main" id="{35A50E18-BBBA-229B-2E9A-9F5E5427A061}"/>
+                <a16:creationId xmlns:a16="http://schemas.microsoft.com/office/drawing/2014/main" id="{5269F9DA-D2D3-E69B-809C-1CE5ADB2F927}"/>
               </a:ext>
             </a:extLst>
           </p:cNvPr>
@@ -1526,7 +1526,7 @@
           <p:cNvPr id="3" name="文本占位符 2">
             <a:extLst>
               <a:ext uri="{FF2B5EF4-FFF2-40B4-BE49-F238E27FC236}">
-                <a16:creationId xmlns:a16="http://schemas.microsoft.com/office/drawing/2014/main" id="{AD11DDE6-B3A3-E4F7-3590-F8AF237F151F}"/>
+                <a16:creationId xmlns:a16="http://schemas.microsoft.com/office/drawing/2014/main" id="{1F349874-2147-677C-1365-D01827EAD32C}"/>
               </a:ext>
             </a:extLst>
           </p:cNvPr>
@@ -1597,7 +1597,7 @@
           <p:cNvPr id="4" name="内容占位符 3">
             <a:extLst>
               <a:ext uri="{FF2B5EF4-FFF2-40B4-BE49-F238E27FC236}">
-                <a16:creationId xmlns:a16="http://schemas.microsoft.com/office/drawing/2014/main" id="{232F0FC0-0B55-BD17-D9E3-D1CF3A994C76}"/>
+                <a16:creationId xmlns:a16="http://schemas.microsoft.com/office/drawing/2014/main" id="{FC20057D-FB59-4190-F95C-843F5E167E21}"/>
               </a:ext>
             </a:extLst>
           </p:cNvPr>
@@ -1659,7 +1659,7 @@
           <p:cNvPr id="5" name="文本占位符 4">
             <a:extLst>
               <a:ext uri="{FF2B5EF4-FFF2-40B4-BE49-F238E27FC236}">
-                <a16:creationId xmlns:a16="http://schemas.microsoft.com/office/drawing/2014/main" id="{A4E71176-D0A1-7853-C809-52E9A4281EB0}"/>
+                <a16:creationId xmlns:a16="http://schemas.microsoft.com/office/drawing/2014/main" id="{2C34A105-0A84-4B0E-1AF9-D0DC25E4BF29}"/>
               </a:ext>
             </a:extLst>
           </p:cNvPr>
@@ -1730,7 +1730,7 @@
           <p:cNvPr id="6" name="内容占位符 5">
             <a:extLst>
               <a:ext uri="{FF2B5EF4-FFF2-40B4-BE49-F238E27FC236}">
-                <a16:creationId xmlns:a16="http://schemas.microsoft.com/office/drawing/2014/main" id="{87E26DB6-8F09-F3C0-E53F-B5D1223B7EE4}"/>
+                <a16:creationId xmlns:a16="http://schemas.microsoft.com/office/drawing/2014/main" id="{777443BE-9A30-296E-839D-EB5C7A6636A4}"/>
               </a:ext>
             </a:extLst>
           </p:cNvPr>
@@ -1792,7 +1792,7 @@
           <p:cNvPr id="7" name="日期占位符 6">
             <a:extLst>
               <a:ext uri="{FF2B5EF4-FFF2-40B4-BE49-F238E27FC236}">
-                <a16:creationId xmlns:a16="http://schemas.microsoft.com/office/drawing/2014/main" id="{B87B5C73-C022-FA13-1C1B-6F08FEA37A03}"/>
+                <a16:creationId xmlns:a16="http://schemas.microsoft.com/office/drawing/2014/main" id="{88607281-A2E2-5546-37F4-58FC1E9CED46}"/>
               </a:ext>
             </a:extLst>
           </p:cNvPr>
@@ -1808,7 +1808,7 @@
           <a:bodyPr/>
           <a:lstStyle/>
           <a:p>
-            <a:fld id="{03B405B2-41C5-4C8C-8865-7420D809509A}" type="datetimeFigureOut">
+            <a:fld id="{051F5901-5A33-4B64-A7FB-D0215704B662}" type="datetimeFigureOut">
               <a:rPr lang="zh-CN" altLang="en-US" smtClean="0"/>
               <a:t>2024/3/10</a:t>
             </a:fld>
@@ -1821,7 +1821,7 @@
           <p:cNvPr id="8" name="页脚占位符 7">
             <a:extLst>
               <a:ext uri="{FF2B5EF4-FFF2-40B4-BE49-F238E27FC236}">
-                <a16:creationId xmlns:a16="http://schemas.microsoft.com/office/drawing/2014/main" id="{9C46E59F-F139-2AF9-C0B3-6477F7F8183A}"/>
+                <a16:creationId xmlns:a16="http://schemas.microsoft.com/office/drawing/2014/main" id="{4BDB1A59-0F4A-0A26-B57B-50E548B0CEC6}"/>
               </a:ext>
             </a:extLst>
           </p:cNvPr>
@@ -1846,7 +1846,7 @@
           <p:cNvPr id="9" name="灯片编号占位符 8">
             <a:extLst>
               <a:ext uri="{FF2B5EF4-FFF2-40B4-BE49-F238E27FC236}">
-                <a16:creationId xmlns:a16="http://schemas.microsoft.com/office/drawing/2014/main" id="{42537550-D4CA-88CE-EE99-C0969B8515DF}"/>
+                <a16:creationId xmlns:a16="http://schemas.microsoft.com/office/drawing/2014/main" id="{1A8B172C-5598-FC49-0566-1B8F603EDA4E}"/>
               </a:ext>
             </a:extLst>
           </p:cNvPr>
@@ -1862,7 +1862,7 @@
           <a:bodyPr/>
           <a:lstStyle/>
           <a:p>
-            <a:fld id="{FAB63FC0-59FA-457B-A69F-5BDC89342D5F}" type="slidenum">
+            <a:fld id="{922FC604-7714-41B0-8EBF-8F362C524D78}" type="slidenum">
               <a:rPr lang="zh-CN" altLang="en-US" smtClean="0"/>
               <a:t>‹#›</a:t>
             </a:fld>
@@ -1873,7 +1873,7 @@
     </p:spTree>
     <p:extLst>
       <p:ext uri="{BB962C8B-B14F-4D97-AF65-F5344CB8AC3E}">
-        <p14:creationId xmlns:p14="http://schemas.microsoft.com/office/powerpoint/2010/main" val="286289063"/>
+        <p14:creationId xmlns:p14="http://schemas.microsoft.com/office/powerpoint/2010/main" val="607520488"/>
       </p:ext>
     </p:extLst>
   </p:cSld>
@@ -1905,7 +1905,7 @@
           <p:cNvPr id="2" name="标题 1">
             <a:extLst>
               <a:ext uri="{FF2B5EF4-FFF2-40B4-BE49-F238E27FC236}">
-                <a16:creationId xmlns:a16="http://schemas.microsoft.com/office/drawing/2014/main" id="{21BF6161-4236-163E-5C13-D8746ECB53C1}"/>
+                <a16:creationId xmlns:a16="http://schemas.microsoft.com/office/drawing/2014/main" id="{6827E1EA-CD18-DFC6-7A74-BF833DF33378}"/>
               </a:ext>
             </a:extLst>
           </p:cNvPr>
@@ -1933,7 +1933,7 @@
           <p:cNvPr id="3" name="日期占位符 2">
             <a:extLst>
               <a:ext uri="{FF2B5EF4-FFF2-40B4-BE49-F238E27FC236}">
-                <a16:creationId xmlns:a16="http://schemas.microsoft.com/office/drawing/2014/main" id="{3F453679-09BA-A811-764E-047DB8D8FCBA}"/>
+                <a16:creationId xmlns:a16="http://schemas.microsoft.com/office/drawing/2014/main" id="{4A7AE495-81D1-E255-7D77-F30F2A5849B5}"/>
               </a:ext>
             </a:extLst>
           </p:cNvPr>
@@ -1949,7 +1949,7 @@
           <a:bodyPr/>
           <a:lstStyle/>
           <a:p>
-            <a:fld id="{03B405B2-41C5-4C8C-8865-7420D809509A}" type="datetimeFigureOut">
+            <a:fld id="{051F5901-5A33-4B64-A7FB-D0215704B662}" type="datetimeFigureOut">
               <a:rPr lang="zh-CN" altLang="en-US" smtClean="0"/>
               <a:t>2024/3/10</a:t>
             </a:fld>
@@ -1962,7 +1962,7 @@
           <p:cNvPr id="4" name="页脚占位符 3">
             <a:extLst>
               <a:ext uri="{FF2B5EF4-FFF2-40B4-BE49-F238E27FC236}">
-                <a16:creationId xmlns:a16="http://schemas.microsoft.com/office/drawing/2014/main" id="{E82A6A91-5A4A-2E76-D32E-8B2D234D9BB3}"/>
+                <a16:creationId xmlns:a16="http://schemas.microsoft.com/office/drawing/2014/main" id="{9B52D7CE-7D4A-BA82-39E2-65BCD22C45EF}"/>
               </a:ext>
             </a:extLst>
           </p:cNvPr>
@@ -1987,7 +1987,7 @@
           <p:cNvPr id="5" name="灯片编号占位符 4">
             <a:extLst>
               <a:ext uri="{FF2B5EF4-FFF2-40B4-BE49-F238E27FC236}">
-                <a16:creationId xmlns:a16="http://schemas.microsoft.com/office/drawing/2014/main" id="{FE88F348-C097-92A6-7D0E-888AC33291CB}"/>
+                <a16:creationId xmlns:a16="http://schemas.microsoft.com/office/drawing/2014/main" id="{90785010-A00F-5E8B-283F-F1041F4CFB49}"/>
               </a:ext>
             </a:extLst>
           </p:cNvPr>
@@ -2003,7 +2003,7 @@
           <a:bodyPr/>
           <a:lstStyle/>
           <a:p>
-            <a:fld id="{FAB63FC0-59FA-457B-A69F-5BDC89342D5F}" type="slidenum">
+            <a:fld id="{922FC604-7714-41B0-8EBF-8F362C524D78}" type="slidenum">
               <a:rPr lang="zh-CN" altLang="en-US" smtClean="0"/>
               <a:t>‹#›</a:t>
             </a:fld>
@@ -2014,7 +2014,7 @@
     </p:spTree>
     <p:extLst>
       <p:ext uri="{BB962C8B-B14F-4D97-AF65-F5344CB8AC3E}">
-        <p14:creationId xmlns:p14="http://schemas.microsoft.com/office/powerpoint/2010/main" val="2078942550"/>
+        <p14:creationId xmlns:p14="http://schemas.microsoft.com/office/powerpoint/2010/main" val="2862060538"/>
       </p:ext>
     </p:extLst>
   </p:cSld>
@@ -2046,7 +2046,7 @@
           <p:cNvPr id="2" name="日期占位符 1">
             <a:extLst>
               <a:ext uri="{FF2B5EF4-FFF2-40B4-BE49-F238E27FC236}">
-                <a16:creationId xmlns:a16="http://schemas.microsoft.com/office/drawing/2014/main" id="{45DEBB3F-3ADF-03DA-B1CF-95DBEFE15B54}"/>
+                <a16:creationId xmlns:a16="http://schemas.microsoft.com/office/drawing/2014/main" id="{8AFC84E3-5A9D-3B18-9DE9-717AE750303B}"/>
               </a:ext>
             </a:extLst>
           </p:cNvPr>
@@ -2062,7 +2062,7 @@
           <a:bodyPr/>
           <a:lstStyle/>
           <a:p>
-            <a:fld id="{03B405B2-41C5-4C8C-8865-7420D809509A}" type="datetimeFigureOut">
+            <a:fld id="{051F5901-5A33-4B64-A7FB-D0215704B662}" type="datetimeFigureOut">
               <a:rPr lang="zh-CN" altLang="en-US" smtClean="0"/>
               <a:t>2024/3/10</a:t>
             </a:fld>
@@ -2075,7 +2075,7 @@
           <p:cNvPr id="3" name="页脚占位符 2">
             <a:extLst>
               <a:ext uri="{FF2B5EF4-FFF2-40B4-BE49-F238E27FC236}">
-                <a16:creationId xmlns:a16="http://schemas.microsoft.com/office/drawing/2014/main" id="{2B7AB9B1-9483-8872-8E03-877511F9974D}"/>
+                <a16:creationId xmlns:a16="http://schemas.microsoft.com/office/drawing/2014/main" id="{70FE14C0-5B11-A17C-4462-E932ADA17741}"/>
               </a:ext>
             </a:extLst>
           </p:cNvPr>
@@ -2100,7 +2100,7 @@
           <p:cNvPr id="4" name="灯片编号占位符 3">
             <a:extLst>
               <a:ext uri="{FF2B5EF4-FFF2-40B4-BE49-F238E27FC236}">
-                <a16:creationId xmlns:a16="http://schemas.microsoft.com/office/drawing/2014/main" id="{52309BE4-4707-FB56-3B5E-85147F7A1996}"/>
+                <a16:creationId xmlns:a16="http://schemas.microsoft.com/office/drawing/2014/main" id="{AE93CFF3-6CBD-7AA6-E9DA-8CCAB0FAF1D9}"/>
               </a:ext>
             </a:extLst>
           </p:cNvPr>
@@ -2116,7 +2116,7 @@
           <a:bodyPr/>
           <a:lstStyle/>
           <a:p>
-            <a:fld id="{FAB63FC0-59FA-457B-A69F-5BDC89342D5F}" type="slidenum">
+            <a:fld id="{922FC604-7714-41B0-8EBF-8F362C524D78}" type="slidenum">
               <a:rPr lang="zh-CN" altLang="en-US" smtClean="0"/>
               <a:t>‹#›</a:t>
             </a:fld>
@@ -2127,7 +2127,7 @@
     </p:spTree>
     <p:extLst>
       <p:ext uri="{BB962C8B-B14F-4D97-AF65-F5344CB8AC3E}">
-        <p14:creationId xmlns:p14="http://schemas.microsoft.com/office/powerpoint/2010/main" val="4164092552"/>
+        <p14:creationId xmlns:p14="http://schemas.microsoft.com/office/powerpoint/2010/main" val="2887972836"/>
       </p:ext>
     </p:extLst>
   </p:cSld>
@@ -2159,7 +2159,7 @@
           <p:cNvPr id="2" name="标题 1">
             <a:extLst>
               <a:ext uri="{FF2B5EF4-FFF2-40B4-BE49-F238E27FC236}">
-                <a16:creationId xmlns:a16="http://schemas.microsoft.com/office/drawing/2014/main" id="{31DA305A-484C-649B-895F-3CD94A6DE3E7}"/>
+                <a16:creationId xmlns:a16="http://schemas.microsoft.com/office/drawing/2014/main" id="{1B4F2CC6-2D76-DE14-FACA-D2E1760F18F1}"/>
               </a:ext>
             </a:extLst>
           </p:cNvPr>
@@ -2196,7 +2196,7 @@
           <p:cNvPr id="3" name="内容占位符 2">
             <a:extLst>
               <a:ext uri="{FF2B5EF4-FFF2-40B4-BE49-F238E27FC236}">
-                <a16:creationId xmlns:a16="http://schemas.microsoft.com/office/drawing/2014/main" id="{1FA5B7D3-6E23-BD2B-A395-09AC95BECF21}"/>
+                <a16:creationId xmlns:a16="http://schemas.microsoft.com/office/drawing/2014/main" id="{51F2D153-9BE5-AEA4-D1DA-363AFD91C627}"/>
               </a:ext>
             </a:extLst>
           </p:cNvPr>
@@ -2286,7 +2286,7 @@
           <p:cNvPr id="4" name="文本占位符 3">
             <a:extLst>
               <a:ext uri="{FF2B5EF4-FFF2-40B4-BE49-F238E27FC236}">
-                <a16:creationId xmlns:a16="http://schemas.microsoft.com/office/drawing/2014/main" id="{4462A533-4057-76E8-CF8D-577BB457E4F9}"/>
+                <a16:creationId xmlns:a16="http://schemas.microsoft.com/office/drawing/2014/main" id="{B7CC04CC-EBA6-2618-AE15-929D0BF77A5E}"/>
               </a:ext>
             </a:extLst>
           </p:cNvPr>
@@ -2357,7 +2357,7 @@
           <p:cNvPr id="5" name="日期占位符 4">
             <a:extLst>
               <a:ext uri="{FF2B5EF4-FFF2-40B4-BE49-F238E27FC236}">
-                <a16:creationId xmlns:a16="http://schemas.microsoft.com/office/drawing/2014/main" id="{ABB47923-C433-F2B9-8B4F-5AEF8EB180D0}"/>
+                <a16:creationId xmlns:a16="http://schemas.microsoft.com/office/drawing/2014/main" id="{EC3D4129-4F14-634C-6C88-7519DC5F621B}"/>
               </a:ext>
             </a:extLst>
           </p:cNvPr>
@@ -2373,7 +2373,7 @@
           <a:bodyPr/>
           <a:lstStyle/>
           <a:p>
-            <a:fld id="{03B405B2-41C5-4C8C-8865-7420D809509A}" type="datetimeFigureOut">
+            <a:fld id="{051F5901-5A33-4B64-A7FB-D0215704B662}" type="datetimeFigureOut">
               <a:rPr lang="zh-CN" altLang="en-US" smtClean="0"/>
               <a:t>2024/3/10</a:t>
             </a:fld>
@@ -2386,7 +2386,7 @@
           <p:cNvPr id="6" name="页脚占位符 5">
             <a:extLst>
               <a:ext uri="{FF2B5EF4-FFF2-40B4-BE49-F238E27FC236}">
-                <a16:creationId xmlns:a16="http://schemas.microsoft.com/office/drawing/2014/main" id="{D66B13C1-1383-0848-8ABA-0D1D59F33D10}"/>
+                <a16:creationId xmlns:a16="http://schemas.microsoft.com/office/drawing/2014/main" id="{37F34928-B1C7-8E37-1B5C-2EB824FEFC88}"/>
               </a:ext>
             </a:extLst>
           </p:cNvPr>
@@ -2411,7 +2411,7 @@
           <p:cNvPr id="7" name="灯片编号占位符 6">
             <a:extLst>
               <a:ext uri="{FF2B5EF4-FFF2-40B4-BE49-F238E27FC236}">
-                <a16:creationId xmlns:a16="http://schemas.microsoft.com/office/drawing/2014/main" id="{414630F6-9C27-48CA-E419-C6EEEA7DF7FB}"/>
+                <a16:creationId xmlns:a16="http://schemas.microsoft.com/office/drawing/2014/main" id="{71EFEE44-1708-800D-87FB-BB780EBE5D38}"/>
               </a:ext>
             </a:extLst>
           </p:cNvPr>
@@ -2427,7 +2427,7 @@
           <a:bodyPr/>
           <a:lstStyle/>
           <a:p>
-            <a:fld id="{FAB63FC0-59FA-457B-A69F-5BDC89342D5F}" type="slidenum">
+            <a:fld id="{922FC604-7714-41B0-8EBF-8F362C524D78}" type="slidenum">
               <a:rPr lang="zh-CN" altLang="en-US" smtClean="0"/>
               <a:t>‹#›</a:t>
             </a:fld>
@@ -2438,7 +2438,7 @@
     </p:spTree>
     <p:extLst>
       <p:ext uri="{BB962C8B-B14F-4D97-AF65-F5344CB8AC3E}">
-        <p14:creationId xmlns:p14="http://schemas.microsoft.com/office/powerpoint/2010/main" val="1120530238"/>
+        <p14:creationId xmlns:p14="http://schemas.microsoft.com/office/powerpoint/2010/main" val="2311188044"/>
       </p:ext>
     </p:extLst>
   </p:cSld>
@@ -2470,7 +2470,7 @@
           <p:cNvPr id="2" name="标题 1">
             <a:extLst>
               <a:ext uri="{FF2B5EF4-FFF2-40B4-BE49-F238E27FC236}">
-                <a16:creationId xmlns:a16="http://schemas.microsoft.com/office/drawing/2014/main" id="{E520A4EA-C9E9-74F7-639E-31DBD0C16841}"/>
+                <a16:creationId xmlns:a16="http://schemas.microsoft.com/office/drawing/2014/main" id="{18A5218D-FCF6-98BE-DF54-ADB66F039176}"/>
               </a:ext>
             </a:extLst>
           </p:cNvPr>
@@ -2507,7 +2507,7 @@
           <p:cNvPr id="3" name="图片占位符 2">
             <a:extLst>
               <a:ext uri="{FF2B5EF4-FFF2-40B4-BE49-F238E27FC236}">
-                <a16:creationId xmlns:a16="http://schemas.microsoft.com/office/drawing/2014/main" id="{DF2B70DC-7D5E-CEFE-CC66-36C739A79B92}"/>
+                <a16:creationId xmlns:a16="http://schemas.microsoft.com/office/drawing/2014/main" id="{3E15F43E-AF5E-6769-61BA-A11A7E3AF0D8}"/>
               </a:ext>
             </a:extLst>
           </p:cNvPr>
@@ -2574,7 +2574,7 @@
           <p:cNvPr id="4" name="文本占位符 3">
             <a:extLst>
               <a:ext uri="{FF2B5EF4-FFF2-40B4-BE49-F238E27FC236}">
-                <a16:creationId xmlns:a16="http://schemas.microsoft.com/office/drawing/2014/main" id="{33EF0105-F07B-0296-CEC6-050E8CA64EB6}"/>
+                <a16:creationId xmlns:a16="http://schemas.microsoft.com/office/drawing/2014/main" id="{3955518A-A43C-10A4-9584-42ECEAEE9058}"/>
               </a:ext>
             </a:extLst>
           </p:cNvPr>
@@ -2645,7 +2645,7 @@
           <p:cNvPr id="5" name="日期占位符 4">
             <a:extLst>
               <a:ext uri="{FF2B5EF4-FFF2-40B4-BE49-F238E27FC236}">
-                <a16:creationId xmlns:a16="http://schemas.microsoft.com/office/drawing/2014/main" id="{DBC1ABD4-1634-16AB-576A-0F149B22BCBE}"/>
+                <a16:creationId xmlns:a16="http://schemas.microsoft.com/office/drawing/2014/main" id="{7B500561-90F1-23DF-485B-B9E16371CA55}"/>
               </a:ext>
             </a:extLst>
           </p:cNvPr>
@@ -2661,7 +2661,7 @@
           <a:bodyPr/>
           <a:lstStyle/>
           <a:p>
-            <a:fld id="{03B405B2-41C5-4C8C-8865-7420D809509A}" type="datetimeFigureOut">
+            <a:fld id="{051F5901-5A33-4B64-A7FB-D0215704B662}" type="datetimeFigureOut">
               <a:rPr lang="zh-CN" altLang="en-US" smtClean="0"/>
               <a:t>2024/3/10</a:t>
             </a:fld>
@@ -2674,7 +2674,7 @@
           <p:cNvPr id="6" name="页脚占位符 5">
             <a:extLst>
               <a:ext uri="{FF2B5EF4-FFF2-40B4-BE49-F238E27FC236}">
-                <a16:creationId xmlns:a16="http://schemas.microsoft.com/office/drawing/2014/main" id="{5ACE811C-CFAE-F548-5644-2EA0C4A88862}"/>
+                <a16:creationId xmlns:a16="http://schemas.microsoft.com/office/drawing/2014/main" id="{669EFF51-7C34-77A1-130A-2936DA62FBEE}"/>
               </a:ext>
             </a:extLst>
           </p:cNvPr>
@@ -2699,7 +2699,7 @@
           <p:cNvPr id="7" name="灯片编号占位符 6">
             <a:extLst>
               <a:ext uri="{FF2B5EF4-FFF2-40B4-BE49-F238E27FC236}">
-                <a16:creationId xmlns:a16="http://schemas.microsoft.com/office/drawing/2014/main" id="{59A37323-6D13-1B2C-5D07-8D8A31CAF456}"/>
+                <a16:creationId xmlns:a16="http://schemas.microsoft.com/office/drawing/2014/main" id="{BF56C754-DBF7-1E39-9D07-9524820E9DFA}"/>
               </a:ext>
             </a:extLst>
           </p:cNvPr>
@@ -2715,7 +2715,7 @@
           <a:bodyPr/>
           <a:lstStyle/>
           <a:p>
-            <a:fld id="{FAB63FC0-59FA-457B-A69F-5BDC89342D5F}" type="slidenum">
+            <a:fld id="{922FC604-7714-41B0-8EBF-8F362C524D78}" type="slidenum">
               <a:rPr lang="zh-CN" altLang="en-US" smtClean="0"/>
               <a:t>‹#›</a:t>
             </a:fld>
@@ -2726,7 +2726,7 @@
     </p:spTree>
     <p:extLst>
       <p:ext uri="{BB962C8B-B14F-4D97-AF65-F5344CB8AC3E}">
-        <p14:creationId xmlns:p14="http://schemas.microsoft.com/office/powerpoint/2010/main" val="590785392"/>
+        <p14:creationId xmlns:p14="http://schemas.microsoft.com/office/powerpoint/2010/main" val="3320777838"/>
       </p:ext>
     </p:extLst>
   </p:cSld>
@@ -2763,7 +2763,7 @@
           <p:cNvPr id="2" name="标题占位符 1">
             <a:extLst>
               <a:ext uri="{FF2B5EF4-FFF2-40B4-BE49-F238E27FC236}">
-                <a16:creationId xmlns:a16="http://schemas.microsoft.com/office/drawing/2014/main" id="{02E4757F-99C7-D256-6AB1-600AB6DF669B}"/>
+                <a16:creationId xmlns:a16="http://schemas.microsoft.com/office/drawing/2014/main" id="{DB175E48-3BCD-FCDE-D88E-BF67C211E461}"/>
               </a:ext>
             </a:extLst>
           </p:cNvPr>
@@ -2801,7 +2801,7 @@
           <p:cNvPr id="3" name="文本占位符 2">
             <a:extLst>
               <a:ext uri="{FF2B5EF4-FFF2-40B4-BE49-F238E27FC236}">
-                <a16:creationId xmlns:a16="http://schemas.microsoft.com/office/drawing/2014/main" id="{1A4B382C-D0D6-3152-16F8-E4AD2C75D502}"/>
+                <a16:creationId xmlns:a16="http://schemas.microsoft.com/office/drawing/2014/main" id="{6ACAE4B5-4295-45D5-E1D1-51B5FD59D994}"/>
               </a:ext>
             </a:extLst>
           </p:cNvPr>
@@ -2868,7 +2868,7 @@
           <p:cNvPr id="4" name="日期占位符 3">
             <a:extLst>
               <a:ext uri="{FF2B5EF4-FFF2-40B4-BE49-F238E27FC236}">
-                <a16:creationId xmlns:a16="http://schemas.microsoft.com/office/drawing/2014/main" id="{F9D5FE6B-920C-ECD9-0054-F66094A76B20}"/>
+                <a16:creationId xmlns:a16="http://schemas.microsoft.com/office/drawing/2014/main" id="{3E120311-EAFF-F3D0-378A-3B6AE1C7AE51}"/>
               </a:ext>
             </a:extLst>
           </p:cNvPr>
@@ -2902,7 +2902,7 @@
             </a:lvl1pPr>
           </a:lstStyle>
           <a:p>
-            <a:fld id="{03B405B2-41C5-4C8C-8865-7420D809509A}" type="datetimeFigureOut">
+            <a:fld id="{051F5901-5A33-4B64-A7FB-D0215704B662}" type="datetimeFigureOut">
               <a:rPr lang="zh-CN" altLang="en-US" smtClean="0"/>
               <a:t>2024/3/10</a:t>
             </a:fld>
@@ -2915,7 +2915,7 @@
           <p:cNvPr id="5" name="页脚占位符 4">
             <a:extLst>
               <a:ext uri="{FF2B5EF4-FFF2-40B4-BE49-F238E27FC236}">
-                <a16:creationId xmlns:a16="http://schemas.microsoft.com/office/drawing/2014/main" id="{07906FCD-1858-E152-55B3-EFF6B43A773B}"/>
+                <a16:creationId xmlns:a16="http://schemas.microsoft.com/office/drawing/2014/main" id="{B744630E-0C3D-4093-C607-895FAFF35782}"/>
               </a:ext>
             </a:extLst>
           </p:cNvPr>
@@ -2958,7 +2958,7 @@
           <p:cNvPr id="6" name="灯片编号占位符 5">
             <a:extLst>
               <a:ext uri="{FF2B5EF4-FFF2-40B4-BE49-F238E27FC236}">
-                <a16:creationId xmlns:a16="http://schemas.microsoft.com/office/drawing/2014/main" id="{6E1AEFF9-6F42-9EF1-DF4F-572FDB1B9CBE}"/>
+                <a16:creationId xmlns:a16="http://schemas.microsoft.com/office/drawing/2014/main" id="{F6FDAD62-BACD-A2DF-2B5B-7326325DCD33}"/>
               </a:ext>
             </a:extLst>
           </p:cNvPr>
@@ -2992,7 +2992,7 @@
             </a:lvl1pPr>
           </a:lstStyle>
           <a:p>
-            <a:fld id="{FAB63FC0-59FA-457B-A69F-5BDC89342D5F}" type="slidenum">
+            <a:fld id="{922FC604-7714-41B0-8EBF-8F362C524D78}" type="slidenum">
               <a:rPr lang="zh-CN" altLang="en-US" smtClean="0"/>
               <a:t>‹#›</a:t>
             </a:fld>
@@ -3003,7 +3003,7 @@
     </p:spTree>
     <p:extLst>
       <p:ext uri="{BB962C8B-B14F-4D97-AF65-F5344CB8AC3E}">
-        <p14:creationId xmlns:p14="http://schemas.microsoft.com/office/powerpoint/2010/main" val="580192289"/>
+        <p14:creationId xmlns:p14="http://schemas.microsoft.com/office/powerpoint/2010/main" val="2542429564"/>
       </p:ext>
     </p:extLst>
   </p:cSld>
@@ -3323,7 +3323,7 @@
       </p:grpSpPr>
       <p:pic>
         <p:nvPicPr>
-          <p:cNvPr id="818178" name="Picture 2" descr="798"/>
+          <p:cNvPr id="819202" name="Picture 2" descr="799"/>
           <p:cNvPicPr>
             <a:picLocks noChangeAspect="1" noChangeArrowheads="1"/>
           </p:cNvPicPr>
@@ -3345,7 +3345,7 @@
         <p:spPr bwMode="auto">
           <a:xfrm>
             <a:off x="1524000" y="0"/>
-            <a:ext cx="9144000" cy="6859588"/>
+            <a:ext cx="9144000" cy="6858000"/>
           </a:xfrm>
           <a:prstGeom prst="rect">
             <a:avLst/>
